--- a/material/Marcador_cidade.pptx
+++ b/material/Marcador_cidade.pptx
@@ -5,10 +5,12 @@
     <p:sldMasterId id="2147483648" r:id="rId1"/>
   </p:sldMasterIdLst>
   <p:notesMasterIdLst>
-    <p:notesMasterId r:id="rId3"/>
+    <p:notesMasterId r:id="rId5"/>
   </p:notesMasterIdLst>
   <p:sldIdLst>
     <p:sldId id="256" r:id="rId2"/>
+    <p:sldId id="258" r:id="rId3"/>
+    <p:sldId id="257" r:id="rId4"/>
   </p:sldIdLst>
   <p:sldSz cx="32397700" cy="43195875"/>
   <p:notesSz cx="6858000" cy="9144000"/>
@@ -742,6 +744,204 @@
     <p:extLst>
       <p:ext uri="{BB962C8B-B14F-4D97-AF65-F5344CB8AC3E}">
         <p14:creationId xmlns:p14="http://schemas.microsoft.com/office/powerpoint/2010/main" val="2016647957"/>
+      </p:ext>
+    </p:extLst>
+  </p:cSld>
+  <p:clrMapOvr>
+    <a:masterClrMapping/>
+  </p:clrMapOvr>
+</p:notes>
+</file>
+
+<file path=ppt/notesSlides/notesSlide2.xml><?xml version="1.0" encoding="utf-8"?>
+<p:notes xmlns:a="http://schemas.openxmlformats.org/drawingml/2006/main" xmlns:r="http://schemas.openxmlformats.org/officeDocument/2006/relationships" xmlns:p="http://schemas.openxmlformats.org/presentationml/2006/main">
+  <p:cSld>
+    <p:spTree>
+      <p:nvGrpSpPr>
+        <p:cNvPr id="1" name=""/>
+        <p:cNvGrpSpPr/>
+        <p:nvPr/>
+      </p:nvGrpSpPr>
+      <p:grpSpPr>
+        <a:xfrm>
+          <a:off x="0" y="0"/>
+          <a:ext cx="0" cy="0"/>
+          <a:chOff x="0" y="0"/>
+          <a:chExt cx="0" cy="0"/>
+        </a:xfrm>
+      </p:grpSpPr>
+      <p:sp>
+        <p:nvSpPr>
+          <p:cNvPr id="4098" name="Rectangle 7"/>
+          <p:cNvSpPr>
+            <a:spLocks noGrp="1" noChangeArrowheads="1"/>
+          </p:cNvSpPr>
+          <p:nvPr>
+            <p:ph type="sldNum" sz="quarter" idx="5"/>
+          </p:nvPr>
+        </p:nvSpPr>
+        <p:spPr>
+          <a:noFill/>
+        </p:spPr>
+        <p:txBody>
+          <a:bodyPr/>
+          <a:lstStyle/>
+          <a:p>
+            <a:fld id="{F66EC970-DA3D-4DF9-BAB5-79D7527E87D4}" type="slidenum">
+              <a:rPr lang="pt-BR" smtClean="0">
+                <a:latin typeface="Arial" charset="0"/>
+              </a:rPr>
+              <a:pPr/>
+              <a:t>2</a:t>
+            </a:fld>
+            <a:endParaRPr lang="pt-BR">
+              <a:latin typeface="Arial" charset="0"/>
+            </a:endParaRPr>
+          </a:p>
+        </p:txBody>
+      </p:sp>
+      <p:sp>
+        <p:nvSpPr>
+          <p:cNvPr id="4099" name="Rectangle 2"/>
+          <p:cNvSpPr>
+            <a:spLocks noGrp="1" noRot="1" noChangeAspect="1" noChangeArrowheads="1" noTextEdit="1"/>
+          </p:cNvSpPr>
+          <p:nvPr>
+            <p:ph type="sldImg"/>
+          </p:nvPr>
+        </p:nvSpPr>
+        <p:spPr>
+          <a:ln/>
+        </p:spPr>
+      </p:sp>
+      <p:sp>
+        <p:nvSpPr>
+          <p:cNvPr id="4100" name="Rectangle 3"/>
+          <p:cNvSpPr>
+            <a:spLocks noGrp="1" noChangeArrowheads="1"/>
+          </p:cNvSpPr>
+          <p:nvPr>
+            <p:ph type="body" idx="1"/>
+          </p:nvPr>
+        </p:nvSpPr>
+        <p:spPr>
+          <a:noFill/>
+          <a:ln/>
+        </p:spPr>
+        <p:txBody>
+          <a:bodyPr/>
+          <a:lstStyle/>
+          <a:p>
+            <a:pPr eaLnBrk="1" hangingPunct="1"/>
+            <a:endParaRPr lang="pt-BR">
+              <a:latin typeface="Arial" charset="0"/>
+            </a:endParaRPr>
+          </a:p>
+        </p:txBody>
+      </p:sp>
+    </p:spTree>
+    <p:extLst>
+      <p:ext uri="{BB962C8B-B14F-4D97-AF65-F5344CB8AC3E}">
+        <p14:creationId xmlns:p14="http://schemas.microsoft.com/office/powerpoint/2010/main" val="2395172726"/>
+      </p:ext>
+    </p:extLst>
+  </p:cSld>
+  <p:clrMapOvr>
+    <a:masterClrMapping/>
+  </p:clrMapOvr>
+</p:notes>
+</file>
+
+<file path=ppt/notesSlides/notesSlide3.xml><?xml version="1.0" encoding="utf-8"?>
+<p:notes xmlns:a="http://schemas.openxmlformats.org/drawingml/2006/main" xmlns:r="http://schemas.openxmlformats.org/officeDocument/2006/relationships" xmlns:p="http://schemas.openxmlformats.org/presentationml/2006/main">
+  <p:cSld>
+    <p:spTree>
+      <p:nvGrpSpPr>
+        <p:cNvPr id="1" name=""/>
+        <p:cNvGrpSpPr/>
+        <p:nvPr/>
+      </p:nvGrpSpPr>
+      <p:grpSpPr>
+        <a:xfrm>
+          <a:off x="0" y="0"/>
+          <a:ext cx="0" cy="0"/>
+          <a:chOff x="0" y="0"/>
+          <a:chExt cx="0" cy="0"/>
+        </a:xfrm>
+      </p:grpSpPr>
+      <p:sp>
+        <p:nvSpPr>
+          <p:cNvPr id="4098" name="Rectangle 7"/>
+          <p:cNvSpPr>
+            <a:spLocks noGrp="1" noChangeArrowheads="1"/>
+          </p:cNvSpPr>
+          <p:nvPr>
+            <p:ph type="sldNum" sz="quarter" idx="5"/>
+          </p:nvPr>
+        </p:nvSpPr>
+        <p:spPr>
+          <a:noFill/>
+        </p:spPr>
+        <p:txBody>
+          <a:bodyPr/>
+          <a:lstStyle/>
+          <a:p>
+            <a:fld id="{F66EC970-DA3D-4DF9-BAB5-79D7527E87D4}" type="slidenum">
+              <a:rPr lang="pt-BR" smtClean="0">
+                <a:latin typeface="Arial" charset="0"/>
+              </a:rPr>
+              <a:pPr/>
+              <a:t>3</a:t>
+            </a:fld>
+            <a:endParaRPr lang="pt-BR">
+              <a:latin typeface="Arial" charset="0"/>
+            </a:endParaRPr>
+          </a:p>
+        </p:txBody>
+      </p:sp>
+      <p:sp>
+        <p:nvSpPr>
+          <p:cNvPr id="4099" name="Rectangle 2"/>
+          <p:cNvSpPr>
+            <a:spLocks noGrp="1" noRot="1" noChangeAspect="1" noChangeArrowheads="1" noTextEdit="1"/>
+          </p:cNvSpPr>
+          <p:nvPr>
+            <p:ph type="sldImg"/>
+          </p:nvPr>
+        </p:nvSpPr>
+        <p:spPr>
+          <a:ln/>
+        </p:spPr>
+      </p:sp>
+      <p:sp>
+        <p:nvSpPr>
+          <p:cNvPr id="4100" name="Rectangle 3"/>
+          <p:cNvSpPr>
+            <a:spLocks noGrp="1" noChangeArrowheads="1"/>
+          </p:cNvSpPr>
+          <p:nvPr>
+            <p:ph type="body" idx="1"/>
+          </p:nvPr>
+        </p:nvSpPr>
+        <p:spPr>
+          <a:noFill/>
+          <a:ln/>
+        </p:spPr>
+        <p:txBody>
+          <a:bodyPr/>
+          <a:lstStyle/>
+          <a:p>
+            <a:pPr eaLnBrk="1" hangingPunct="1"/>
+            <a:endParaRPr lang="pt-BR">
+              <a:latin typeface="Arial" charset="0"/>
+            </a:endParaRPr>
+          </a:p>
+        </p:txBody>
+      </p:sp>
+    </p:spTree>
+    <p:extLst>
+      <p:ext uri="{BB962C8B-B14F-4D97-AF65-F5344CB8AC3E}">
+        <p14:creationId xmlns:p14="http://schemas.microsoft.com/office/powerpoint/2010/main" val="1798238319"/>
       </p:ext>
     </p:extLst>
   </p:cSld>
@@ -4300,6 +4500,568 @@
         </p:spPr>
       </p:pic>
     </p:spTree>
+  </p:cSld>
+  <p:clrMapOvr>
+    <a:masterClrMapping/>
+  </p:clrMapOvr>
+  <p:transition/>
+</p:sld>
+</file>
+
+<file path=ppt/slides/slide2.xml><?xml version="1.0" encoding="utf-8"?>
+<p:sld xmlns:a="http://schemas.openxmlformats.org/drawingml/2006/main" xmlns:r="http://schemas.openxmlformats.org/officeDocument/2006/relationships" xmlns:p="http://schemas.openxmlformats.org/presentationml/2006/main">
+  <p:cSld>
+    <p:spTree>
+      <p:nvGrpSpPr>
+        <p:cNvPr id="1" name=""/>
+        <p:cNvGrpSpPr/>
+        <p:nvPr/>
+      </p:nvGrpSpPr>
+      <p:grpSpPr>
+        <a:xfrm>
+          <a:off x="0" y="0"/>
+          <a:ext cx="0" cy="0"/>
+          <a:chOff x="0" y="0"/>
+          <a:chExt cx="0" cy="0"/>
+        </a:xfrm>
+      </p:grpSpPr>
+      <p:sp>
+        <p:nvSpPr>
+          <p:cNvPr id="2062" name="Rectangle 69"/>
+          <p:cNvSpPr>
+            <a:spLocks noChangeArrowheads="1"/>
+          </p:cNvSpPr>
+          <p:nvPr/>
+        </p:nvSpPr>
+        <p:spPr bwMode="auto">
+          <a:xfrm>
+            <a:off x="13679488" y="19764375"/>
+            <a:ext cx="32397700" cy="0"/>
+          </a:xfrm>
+          <a:prstGeom prst="rect">
+            <a:avLst/>
+          </a:prstGeom>
+          <a:noFill/>
+          <a:ln w="9525">
+            <a:noFill/>
+            <a:miter lim="800000"/>
+            <a:headEnd/>
+            <a:tailEnd/>
+          </a:ln>
+        </p:spPr>
+        <p:txBody>
+          <a:bodyPr lIns="431963" tIns="215981" rIns="431963" bIns="215981">
+            <a:spAutoFit/>
+          </a:bodyPr>
+          <a:lstStyle/>
+          <a:p>
+            <a:endParaRPr lang="pt-BR"/>
+          </a:p>
+        </p:txBody>
+      </p:sp>
+      <p:sp>
+        <p:nvSpPr>
+          <p:cNvPr id="2063" name="Rectangle 71"/>
+          <p:cNvSpPr>
+            <a:spLocks noChangeArrowheads="1"/>
+          </p:cNvSpPr>
+          <p:nvPr/>
+        </p:nvSpPr>
+        <p:spPr bwMode="auto">
+          <a:xfrm>
+            <a:off x="14346238" y="20173950"/>
+            <a:ext cx="32397700" cy="0"/>
+          </a:xfrm>
+          <a:prstGeom prst="rect">
+            <a:avLst/>
+          </a:prstGeom>
+          <a:noFill/>
+          <a:ln w="9525">
+            <a:noFill/>
+            <a:miter lim="800000"/>
+            <a:headEnd/>
+            <a:tailEnd/>
+          </a:ln>
+        </p:spPr>
+        <p:txBody>
+          <a:bodyPr lIns="431963" tIns="215981" rIns="431963" bIns="215981">
+            <a:spAutoFit/>
+          </a:bodyPr>
+          <a:lstStyle/>
+          <a:p>
+            <a:endParaRPr lang="pt-BR"/>
+          </a:p>
+        </p:txBody>
+      </p:sp>
+      <p:sp>
+        <p:nvSpPr>
+          <p:cNvPr id="42" name="Elipse 41"/>
+          <p:cNvSpPr/>
+          <p:nvPr/>
+        </p:nvSpPr>
+        <p:spPr bwMode="auto">
+          <a:xfrm>
+            <a:off x="24128468" y="1523859"/>
+            <a:ext cx="6643734" cy="6429420"/>
+          </a:xfrm>
+          <a:prstGeom prst="ellipse">
+            <a:avLst/>
+          </a:prstGeom>
+          <a:noFill/>
+          <a:ln w="9525" cap="flat" cmpd="sng" algn="ctr">
+            <a:noFill/>
+            <a:prstDash val="solid"/>
+            <a:round/>
+            <a:headEnd type="none" w="med" len="med"/>
+            <a:tailEnd type="none" w="med" len="med"/>
+          </a:ln>
+          <a:effectLst/>
+        </p:spPr>
+        <p:txBody>
+          <a:bodyPr vert="horz" wrap="square" lIns="431963" tIns="215981" rIns="431963" bIns="215981" numCol="1" rtlCol="0" anchor="t" anchorCtr="0" compatLnSpc="1">
+            <a:prstTxWarp prst="textNoShape">
+              <a:avLst/>
+            </a:prstTxWarp>
+          </a:bodyPr>
+          <a:lstStyle/>
+          <a:p>
+            <a:pPr marL="0" marR="0" indent="0" algn="just" defTabSz="4319588" rtl="0" eaLnBrk="1" fontAlgn="base" latinLnBrk="0" hangingPunct="1">
+              <a:lnSpc>
+                <a:spcPct val="96000"/>
+              </a:lnSpc>
+              <a:spcBef>
+                <a:spcPct val="20000"/>
+              </a:spcBef>
+              <a:spcAft>
+                <a:spcPct val="0"/>
+              </a:spcAft>
+              <a:buClrTx/>
+              <a:buSzTx/>
+              <a:buFontTx/>
+              <a:buNone/>
+              <a:tabLst/>
+            </a:pPr>
+            <a:endParaRPr kumimoji="0" lang="pt-BR" sz="4000" b="0" i="0" u="none" strike="noStrike" cap="none" normalizeH="0" baseline="0">
+              <a:ln>
+                <a:noFill/>
+              </a:ln>
+              <a:solidFill>
+                <a:schemeClr val="tx1"/>
+              </a:solidFill>
+              <a:effectLst/>
+              <a:latin typeface="Arial" pitchFamily="34" charset="0"/>
+              <a:ea typeface="ＭＳ Ｐゴシック" pitchFamily="34" charset="-128"/>
+            </a:endParaRPr>
+          </a:p>
+        </p:txBody>
+      </p:sp>
+      <p:sp useBgFill="1">
+        <p:nvSpPr>
+          <p:cNvPr id="29" name="TextBox 28"/>
+          <p:cNvSpPr txBox="1"/>
+          <p:nvPr/>
+        </p:nvSpPr>
+        <p:spPr>
+          <a:xfrm>
+            <a:off x="20556875" y="12308905"/>
+            <a:ext cx="184731" cy="624145"/>
+          </a:xfrm>
+          <a:prstGeom prst="rect">
+            <a:avLst/>
+          </a:prstGeom>
+        </p:spPr>
+        <p:txBody>
+          <a:bodyPr wrap="none" rtlCol="0">
+            <a:spAutoFit/>
+          </a:bodyPr>
+          <a:lstStyle/>
+          <a:p>
+            <a:endParaRPr lang="en-US" sz="3600" dirty="0"/>
+          </a:p>
+        </p:txBody>
+      </p:sp>
+      <p:pic>
+        <p:nvPicPr>
+          <p:cNvPr id="27" name="Imagem 26"/>
+          <p:cNvPicPr>
+            <a:picLocks noChangeAspect="1"/>
+          </p:cNvPicPr>
+          <p:nvPr/>
+        </p:nvPicPr>
+        <p:blipFill>
+          <a:blip r:embed="rId3">
+            <a:extLst>
+              <a:ext uri="{28A0092B-C50C-407E-A947-70E740481C1C}">
+                <a14:useLocalDpi xmlns:a14="http://schemas.microsoft.com/office/drawing/2010/main" val="0"/>
+              </a:ext>
+            </a:extLst>
+          </a:blip>
+          <a:stretch>
+            <a:fillRect/>
+          </a:stretch>
+        </p:blipFill>
+        <p:spPr>
+          <a:xfrm>
+            <a:off x="-89014" y="-47777"/>
+            <a:ext cx="32501191" cy="5000660"/>
+          </a:xfrm>
+          <a:prstGeom prst="rect">
+            <a:avLst/>
+          </a:prstGeom>
+        </p:spPr>
+      </p:pic>
+      <p:pic>
+        <p:nvPicPr>
+          <p:cNvPr id="4" name="Picture 3">
+            <a:extLst>
+              <a:ext uri="{FF2B5EF4-FFF2-40B4-BE49-F238E27FC236}">
+                <a16:creationId xmlns:a16="http://schemas.microsoft.com/office/drawing/2014/main" id="{DD506C96-E21E-0447-8491-2DCD8C3E6D40}"/>
+              </a:ext>
+            </a:extLst>
+          </p:cNvPr>
+          <p:cNvPicPr>
+            <a:picLocks noChangeAspect="1"/>
+          </p:cNvPicPr>
+          <p:nvPr/>
+        </p:nvPicPr>
+        <p:blipFill>
+          <a:blip r:embed="rId4"/>
+          <a:stretch>
+            <a:fillRect/>
+          </a:stretch>
+        </p:blipFill>
+        <p:spPr>
+          <a:xfrm>
+            <a:off x="-74958" y="-148479"/>
+            <a:ext cx="32501191" cy="5354459"/>
+          </a:xfrm>
+          <a:prstGeom prst="rect">
+            <a:avLst/>
+          </a:prstGeom>
+        </p:spPr>
+      </p:pic>
+      <p:pic>
+        <p:nvPicPr>
+          <p:cNvPr id="3" name="Picture 2">
+            <a:extLst>
+              <a:ext uri="{FF2B5EF4-FFF2-40B4-BE49-F238E27FC236}">
+                <a16:creationId xmlns:a16="http://schemas.microsoft.com/office/drawing/2014/main" id="{A1680D5A-DA3D-3443-A621-AFF914F9549D}"/>
+              </a:ext>
+            </a:extLst>
+          </p:cNvPr>
+          <p:cNvPicPr>
+            <a:picLocks noChangeAspect="1"/>
+          </p:cNvPicPr>
+          <p:nvPr/>
+        </p:nvPicPr>
+        <p:blipFill rotWithShape="1">
+          <a:blip r:embed="rId5">
+            <a:extLst>
+              <a:ext uri="{28A0092B-C50C-407E-A947-70E740481C1C}">
+                <a14:useLocalDpi xmlns:a14="http://schemas.microsoft.com/office/drawing/2010/main" val="0"/>
+              </a:ext>
+            </a:extLst>
+          </a:blip>
+          <a:srcRect r="46933"/>
+          <a:stretch/>
+        </p:blipFill>
+        <p:spPr>
+          <a:xfrm>
+            <a:off x="933154" y="3811961"/>
+            <a:ext cx="30387376" cy="38380264"/>
+          </a:xfrm>
+          <a:prstGeom prst="rect">
+            <a:avLst/>
+          </a:prstGeom>
+        </p:spPr>
+      </p:pic>
+    </p:spTree>
+    <p:extLst>
+      <p:ext uri="{BB962C8B-B14F-4D97-AF65-F5344CB8AC3E}">
+        <p14:creationId xmlns:p14="http://schemas.microsoft.com/office/powerpoint/2010/main" val="4033002326"/>
+      </p:ext>
+    </p:extLst>
+  </p:cSld>
+  <p:clrMapOvr>
+    <a:masterClrMapping/>
+  </p:clrMapOvr>
+  <p:transition/>
+</p:sld>
+</file>
+
+<file path=ppt/slides/slide3.xml><?xml version="1.0" encoding="utf-8"?>
+<p:sld xmlns:a="http://schemas.openxmlformats.org/drawingml/2006/main" xmlns:r="http://schemas.openxmlformats.org/officeDocument/2006/relationships" xmlns:p="http://schemas.openxmlformats.org/presentationml/2006/main">
+  <p:cSld>
+    <p:spTree>
+      <p:nvGrpSpPr>
+        <p:cNvPr id="1" name=""/>
+        <p:cNvGrpSpPr/>
+        <p:nvPr/>
+      </p:nvGrpSpPr>
+      <p:grpSpPr>
+        <a:xfrm>
+          <a:off x="0" y="0"/>
+          <a:ext cx="0" cy="0"/>
+          <a:chOff x="0" y="0"/>
+          <a:chExt cx="0" cy="0"/>
+        </a:xfrm>
+      </p:grpSpPr>
+      <p:sp>
+        <p:nvSpPr>
+          <p:cNvPr id="2062" name="Rectangle 69"/>
+          <p:cNvSpPr>
+            <a:spLocks noChangeArrowheads="1"/>
+          </p:cNvSpPr>
+          <p:nvPr/>
+        </p:nvSpPr>
+        <p:spPr bwMode="auto">
+          <a:xfrm>
+            <a:off x="13679488" y="19764375"/>
+            <a:ext cx="32397700" cy="0"/>
+          </a:xfrm>
+          <a:prstGeom prst="rect">
+            <a:avLst/>
+          </a:prstGeom>
+          <a:noFill/>
+          <a:ln w="9525">
+            <a:noFill/>
+            <a:miter lim="800000"/>
+            <a:headEnd/>
+            <a:tailEnd/>
+          </a:ln>
+        </p:spPr>
+        <p:txBody>
+          <a:bodyPr lIns="431963" tIns="215981" rIns="431963" bIns="215981">
+            <a:spAutoFit/>
+          </a:bodyPr>
+          <a:lstStyle/>
+          <a:p>
+            <a:endParaRPr lang="pt-BR"/>
+          </a:p>
+        </p:txBody>
+      </p:sp>
+      <p:sp>
+        <p:nvSpPr>
+          <p:cNvPr id="2063" name="Rectangle 71"/>
+          <p:cNvSpPr>
+            <a:spLocks noChangeArrowheads="1"/>
+          </p:cNvSpPr>
+          <p:nvPr/>
+        </p:nvSpPr>
+        <p:spPr bwMode="auto">
+          <a:xfrm>
+            <a:off x="14346238" y="20173950"/>
+            <a:ext cx="32397700" cy="0"/>
+          </a:xfrm>
+          <a:prstGeom prst="rect">
+            <a:avLst/>
+          </a:prstGeom>
+          <a:noFill/>
+          <a:ln w="9525">
+            <a:noFill/>
+            <a:miter lim="800000"/>
+            <a:headEnd/>
+            <a:tailEnd/>
+          </a:ln>
+        </p:spPr>
+        <p:txBody>
+          <a:bodyPr lIns="431963" tIns="215981" rIns="431963" bIns="215981">
+            <a:spAutoFit/>
+          </a:bodyPr>
+          <a:lstStyle/>
+          <a:p>
+            <a:endParaRPr lang="pt-BR"/>
+          </a:p>
+        </p:txBody>
+      </p:sp>
+      <p:sp>
+        <p:nvSpPr>
+          <p:cNvPr id="42" name="Elipse 41"/>
+          <p:cNvSpPr/>
+          <p:nvPr/>
+        </p:nvSpPr>
+        <p:spPr bwMode="auto">
+          <a:xfrm>
+            <a:off x="24128468" y="1523859"/>
+            <a:ext cx="6643734" cy="6429420"/>
+          </a:xfrm>
+          <a:prstGeom prst="ellipse">
+            <a:avLst/>
+          </a:prstGeom>
+          <a:noFill/>
+          <a:ln w="9525" cap="flat" cmpd="sng" algn="ctr">
+            <a:noFill/>
+            <a:prstDash val="solid"/>
+            <a:round/>
+            <a:headEnd type="none" w="med" len="med"/>
+            <a:tailEnd type="none" w="med" len="med"/>
+          </a:ln>
+          <a:effectLst/>
+        </p:spPr>
+        <p:txBody>
+          <a:bodyPr vert="horz" wrap="square" lIns="431963" tIns="215981" rIns="431963" bIns="215981" numCol="1" rtlCol="0" anchor="t" anchorCtr="0" compatLnSpc="1">
+            <a:prstTxWarp prst="textNoShape">
+              <a:avLst/>
+            </a:prstTxWarp>
+          </a:bodyPr>
+          <a:lstStyle/>
+          <a:p>
+            <a:pPr marL="0" marR="0" indent="0" algn="just" defTabSz="4319588" rtl="0" eaLnBrk="1" fontAlgn="base" latinLnBrk="0" hangingPunct="1">
+              <a:lnSpc>
+                <a:spcPct val="96000"/>
+              </a:lnSpc>
+              <a:spcBef>
+                <a:spcPct val="20000"/>
+              </a:spcBef>
+              <a:spcAft>
+                <a:spcPct val="0"/>
+              </a:spcAft>
+              <a:buClrTx/>
+              <a:buSzTx/>
+              <a:buFontTx/>
+              <a:buNone/>
+              <a:tabLst/>
+            </a:pPr>
+            <a:endParaRPr kumimoji="0" lang="pt-BR" sz="4000" b="0" i="0" u="none" strike="noStrike" cap="none" normalizeH="0" baseline="0">
+              <a:ln>
+                <a:noFill/>
+              </a:ln>
+              <a:solidFill>
+                <a:schemeClr val="tx1"/>
+              </a:solidFill>
+              <a:effectLst/>
+              <a:latin typeface="Arial" pitchFamily="34" charset="0"/>
+              <a:ea typeface="ＭＳ Ｐゴシック" pitchFamily="34" charset="-128"/>
+            </a:endParaRPr>
+          </a:p>
+        </p:txBody>
+      </p:sp>
+      <p:sp useBgFill="1">
+        <p:nvSpPr>
+          <p:cNvPr id="29" name="TextBox 28"/>
+          <p:cNvSpPr txBox="1"/>
+          <p:nvPr/>
+        </p:nvSpPr>
+        <p:spPr>
+          <a:xfrm>
+            <a:off x="20556875" y="12308905"/>
+            <a:ext cx="184731" cy="624145"/>
+          </a:xfrm>
+          <a:prstGeom prst="rect">
+            <a:avLst/>
+          </a:prstGeom>
+        </p:spPr>
+        <p:txBody>
+          <a:bodyPr wrap="none" rtlCol="0">
+            <a:spAutoFit/>
+          </a:bodyPr>
+          <a:lstStyle/>
+          <a:p>
+            <a:endParaRPr lang="en-US" sz="3600" dirty="0"/>
+          </a:p>
+        </p:txBody>
+      </p:sp>
+      <p:pic>
+        <p:nvPicPr>
+          <p:cNvPr id="27" name="Imagem 26"/>
+          <p:cNvPicPr>
+            <a:picLocks noChangeAspect="1"/>
+          </p:cNvPicPr>
+          <p:nvPr/>
+        </p:nvPicPr>
+        <p:blipFill>
+          <a:blip r:embed="rId3">
+            <a:extLst>
+              <a:ext uri="{28A0092B-C50C-407E-A947-70E740481C1C}">
+                <a14:useLocalDpi xmlns:a14="http://schemas.microsoft.com/office/drawing/2010/main" val="0"/>
+              </a:ext>
+            </a:extLst>
+          </a:blip>
+          <a:stretch>
+            <a:fillRect/>
+          </a:stretch>
+        </p:blipFill>
+        <p:spPr>
+          <a:xfrm>
+            <a:off x="-89014" y="-47777"/>
+            <a:ext cx="32501191" cy="5000660"/>
+          </a:xfrm>
+          <a:prstGeom prst="rect">
+            <a:avLst/>
+          </a:prstGeom>
+        </p:spPr>
+      </p:pic>
+      <p:pic>
+        <p:nvPicPr>
+          <p:cNvPr id="4" name="Picture 3">
+            <a:extLst>
+              <a:ext uri="{FF2B5EF4-FFF2-40B4-BE49-F238E27FC236}">
+                <a16:creationId xmlns:a16="http://schemas.microsoft.com/office/drawing/2014/main" id="{DD506C96-E21E-0447-8491-2DCD8C3E6D40}"/>
+              </a:ext>
+            </a:extLst>
+          </p:cNvPr>
+          <p:cNvPicPr>
+            <a:picLocks noChangeAspect="1"/>
+          </p:cNvPicPr>
+          <p:nvPr/>
+        </p:nvPicPr>
+        <p:blipFill>
+          <a:blip r:embed="rId4"/>
+          <a:stretch>
+            <a:fillRect/>
+          </a:stretch>
+        </p:blipFill>
+        <p:spPr>
+          <a:xfrm>
+            <a:off x="-74958" y="-148479"/>
+            <a:ext cx="32501191" cy="5354459"/>
+          </a:xfrm>
+          <a:prstGeom prst="rect">
+            <a:avLst/>
+          </a:prstGeom>
+        </p:spPr>
+      </p:pic>
+      <p:pic>
+        <p:nvPicPr>
+          <p:cNvPr id="3" name="Picture 2">
+            <a:extLst>
+              <a:ext uri="{FF2B5EF4-FFF2-40B4-BE49-F238E27FC236}">
+                <a16:creationId xmlns:a16="http://schemas.microsoft.com/office/drawing/2014/main" id="{A1680D5A-DA3D-3443-A621-AFF914F9549D}"/>
+              </a:ext>
+            </a:extLst>
+          </p:cNvPr>
+          <p:cNvPicPr>
+            <a:picLocks noChangeAspect="1"/>
+          </p:cNvPicPr>
+          <p:nvPr/>
+        </p:nvPicPr>
+        <p:blipFill rotWithShape="1">
+          <a:blip r:embed="rId5">
+            <a:extLst>
+              <a:ext uri="{28A0092B-C50C-407E-A947-70E740481C1C}">
+                <a14:useLocalDpi xmlns:a14="http://schemas.microsoft.com/office/drawing/2010/main" val="0"/>
+              </a:ext>
+            </a:extLst>
+          </a:blip>
+          <a:srcRect l="46402"/>
+          <a:stretch/>
+        </p:blipFill>
+        <p:spPr>
+          <a:xfrm>
+            <a:off x="789138" y="3811961"/>
+            <a:ext cx="30691580" cy="38380264"/>
+          </a:xfrm>
+          <a:prstGeom prst="rect">
+            <a:avLst/>
+          </a:prstGeom>
+        </p:spPr>
+      </p:pic>
+    </p:spTree>
+    <p:extLst>
+      <p:ext uri="{BB962C8B-B14F-4D97-AF65-F5344CB8AC3E}">
+        <p14:creationId xmlns:p14="http://schemas.microsoft.com/office/powerpoint/2010/main" val="1798968979"/>
+      </p:ext>
+    </p:extLst>
   </p:cSld>
   <p:clrMapOvr>
     <a:masterClrMapping/>
